--- a/fig/filesystem-agave-home.pptx
+++ b/fig/filesystem-agave-home.pptx
@@ -3568,7 +3568,7 @@
             <a:extLst>
               <a:ext uri="{BEBA8EAE-BF5A-486C-A8C5-ECC9F3942E4B}">
                 <a14:imgProps xmlns:a14="http://schemas.microsoft.com/office/drawing/2010/main">
-                  <a14:imgLayer r:embed="rId6">
+                  <a14:imgLayer r:embed="rId5">
                     <a14:imgEffect>
                       <a14:saturation sat="0"/>
                     </a14:imgEffect>
@@ -3848,16 +3848,12 @@
           <a:lstStyle/>
           <a:p>
             <a:r>
-              <a:rPr lang="en-US" sz="2400" dirty="0" err="1">
+              <a:rPr lang="en-US" sz="2400" dirty="0">
                 <a:latin typeface="Anonymous Pro" panose="02060609030202000504" pitchFamily="49" charset="0"/>
                 <a:ea typeface="Anonymous Pro" panose="02060609030202000504" pitchFamily="49" charset="0"/>
               </a:rPr>
               <a:t>tmp</a:t>
             </a:r>
-            <a:endParaRPr lang="en-US" sz="2400" dirty="0">
-              <a:latin typeface="Anonymous Pro" panose="02060609030202000504" pitchFamily="49" charset="0"/>
-              <a:ea typeface="Anonymous Pro" panose="02060609030202000504" pitchFamily="49" charset="0"/>
-            </a:endParaRPr>
           </a:p>
         </p:txBody>
       </p:sp>
@@ -4280,7 +4276,7 @@
           <a:lstStyle/>
           <a:p>
             <a:r>
-              <a:rPr lang="en-US" sz="1600" dirty="0" err="1">
+              <a:rPr lang="en-US" sz="1600" dirty="0">
                 <a:latin typeface="Anonymous Pro" panose="02060609030202000504" pitchFamily="49" charset="0"/>
                 <a:ea typeface="Anonymous Pro" panose="02060609030202000504" pitchFamily="49" charset="0"/>
               </a:rPr>
@@ -4312,7 +4308,7 @@
             <a:extLst>
               <a:ext uri="{BEBA8EAE-BF5A-486C-A8C5-ECC9F3942E4B}">
                 <a14:imgProps xmlns:a14="http://schemas.microsoft.com/office/drawing/2010/main">
-                  <a14:imgLayer r:embed="rId6">
+                  <a14:imgLayer r:embed="rId5">
                     <a14:imgEffect>
                       <a14:saturation sat="0"/>
                     </a14:imgEffect>
@@ -4364,16 +4360,12 @@
           <a:lstStyle/>
           <a:p>
             <a:r>
-              <a:rPr lang="en-US" sz="1600" dirty="0" err="1">
+              <a:rPr lang="en-US" sz="1600" dirty="0">
                 <a:latin typeface="Anonymous Pro" panose="02060609030202000504" pitchFamily="49" charset="0"/>
                 <a:ea typeface="Anonymous Pro" panose="02060609030202000504" pitchFamily="49" charset="0"/>
               </a:rPr>
               <a:t>feynman</a:t>
             </a:r>
-            <a:endParaRPr lang="en-US" sz="1600" dirty="0">
-              <a:latin typeface="Anonymous Pro" panose="02060609030202000504" pitchFamily="49" charset="0"/>
-              <a:ea typeface="Anonymous Pro" panose="02060609030202000504" pitchFamily="49" charset="0"/>
-            </a:endParaRPr>
           </a:p>
         </p:txBody>
       </p:sp>
